--- a/상장 템플릿.pptx
+++ b/상장 템플릿.pptx
@@ -5,11 +5,8 @@
     <p:sldMasterId id="2147483648" r:id="rId1"/>
   </p:sldMasterIdLst>
   <p:sldIdLst>
-    <p:sldId id="256" r:id="rId2"/>
-    <p:sldId id="257" r:id="rId3"/>
-    <p:sldId id="258" r:id="rId4"/>
-    <p:sldId id="259" r:id="rId5"/>
-    <p:sldId id="260" r:id="rId6"/>
+    <p:sldId id="259" r:id="rId2"/>
+    <p:sldId id="260" r:id="rId3"/>
   </p:sldIdLst>
   <p:sldSz cx="12192000" cy="6858000"/>
   <p:notesSz cx="6858000" cy="9144000"/>
@@ -111,7 +108,7 @@
   <p:extLst>
     <p:ext uri="{EFAFB233-063F-42B5-8137-9DF3F51BA10A}">
       <p15:sldGuideLst xmlns:p15="http://schemas.microsoft.com/office/powerpoint/2012/main">
-        <p15:guide id="1" orient="horz" pos="2137" userDrawn="1">
+        <p15:guide id="1" orient="horz" pos="2115" userDrawn="1">
           <p15:clr>
             <a:srgbClr val="A4A3A4"/>
           </p15:clr>
@@ -2984,16 +2981,39 @@
           <a:chExt cx="0" cy="0"/>
         </a:xfrm>
       </p:grpSpPr>
-      <p:sp>
-        <p:nvSpPr>
-          <p:cNvPr id="15" name="직사각형 14"/>
+      <p:pic>
+        <p:nvPicPr>
+          <p:cNvPr id="3" name="그림 2"/>
+          <p:cNvPicPr>
+            <a:picLocks noChangeAspect="1"/>
+          </p:cNvPicPr>
+          <p:nvPr/>
+        </p:nvPicPr>
+        <p:blipFill rotWithShape="1">
+          <a:blip r:embed="rId2"/>
+          <a:srcRect t="1391" b="6580"/>
+          <a:stretch/>
+        </p:blipFill>
+        <p:spPr>
+          <a:xfrm>
+            <a:off x="950685" y="54202"/>
+            <a:ext cx="10290629" cy="6676572"/>
+          </a:xfrm>
+          <a:prstGeom prst="rect">
+            <a:avLst/>
+          </a:prstGeom>
+        </p:spPr>
+      </p:pic>
+      <p:sp>
+        <p:nvSpPr>
+          <p:cNvPr id="21" name="직사각형 20"/>
           <p:cNvSpPr/>
           <p:nvPr/>
         </p:nvSpPr>
         <p:spPr>
           <a:xfrm>
-            <a:off x="2155971" y="2895600"/>
-            <a:ext cx="8178800" cy="2184400"/>
+            <a:off x="2638097" y="2678452"/>
+            <a:ext cx="6737131" cy="1357519"/>
           </a:xfrm>
           <a:prstGeom prst="rect">
             <a:avLst/>
@@ -3032,55 +3052,16 @@
       </p:sp>
       <p:sp>
         <p:nvSpPr>
-          <p:cNvPr id="4" name="AutoShape 2" descr="Certificate retro design template"/>
-          <p:cNvSpPr>
-            <a:spLocks noChangeAspect="1" noChangeArrowheads="1"/>
-          </p:cNvSpPr>
-          <p:nvPr/>
-        </p:nvSpPr>
-        <p:spPr bwMode="auto">
-          <a:xfrm>
-            <a:off x="376292" y="360033"/>
-            <a:ext cx="304800" cy="304801"/>
-          </a:xfrm>
-          <a:prstGeom prst="rect">
-            <a:avLst/>
-          </a:prstGeom>
-          <a:noFill/>
-          <a:extLst>
-            <a:ext uri="{909E8E84-426E-40DD-AFC4-6F175D3DCCD1}">
-              <a14:hiddenFill xmlns:a14="http://schemas.microsoft.com/office/drawing/2010/main">
-                <a:solidFill>
-                  <a:srgbClr val="FFFFFF"/>
-                </a:solidFill>
-              </a14:hiddenFill>
-            </a:ext>
-          </a:extLst>
-        </p:spPr>
-        <p:txBody>
-          <a:bodyPr vert="horz" wrap="square" lIns="91440" tIns="45720" rIns="91440" bIns="45720" numCol="1" anchor="t" anchorCtr="0" compatLnSpc="1">
-            <a:prstTxWarp prst="textNoShape">
-              <a:avLst/>
-            </a:prstTxWarp>
-          </a:bodyPr>
-          <a:lstStyle/>
-          <a:p>
-            <a:endParaRPr lang="ko-KR" altLang="en-US"/>
-          </a:p>
-        </p:txBody>
-      </p:sp>
-      <p:sp>
-        <p:nvSpPr>
-          <p:cNvPr id="7" name="타원 6"/>
+          <p:cNvPr id="15" name="직사각형 14"/>
           <p:cNvSpPr/>
           <p:nvPr/>
         </p:nvSpPr>
         <p:spPr>
           <a:xfrm>
-            <a:off x="9034517" y="2895600"/>
-            <a:ext cx="1701800" cy="1524000"/>
-          </a:xfrm>
-          <a:prstGeom prst="ellipse">
+            <a:off x="2155971" y="2895600"/>
+            <a:ext cx="8178800" cy="2184400"/>
+          </a:xfrm>
+          <a:prstGeom prst="rect">
             <a:avLst/>
           </a:prstGeom>
           <a:solidFill>
@@ -3115,217 +3096,17 @@
           </a:p>
         </p:txBody>
       </p:sp>
-      <p:pic>
-        <p:nvPicPr>
-          <p:cNvPr id="1028" name="Picture 4" descr="Image result for 농협 로고"/>
-          <p:cNvPicPr>
-            <a:picLocks noChangeAspect="1" noChangeArrowheads="1"/>
-          </p:cNvPicPr>
+      <p:sp>
+        <p:nvSpPr>
+          <p:cNvPr id="4" name="AutoShape 2" descr="Certificate retro design template"/>
+          <p:cNvSpPr>
+            <a:spLocks noChangeAspect="1" noChangeArrowheads="1"/>
+          </p:cNvSpPr>
           <p:nvPr/>
-        </p:nvPicPr>
-        <p:blipFill rotWithShape="1">
-          <a:blip r:embed="rId2">
-            <a:extLst>
-              <a:ext uri="{BEBA8EAE-BF5A-486C-A8C5-ECC9F3942E4B}">
-                <a14:imgProps xmlns:a14="http://schemas.microsoft.com/office/drawing/2010/main">
-                  <a14:imgLayer r:embed="rId3">
-                    <a14:imgEffect>
-                      <a14:sharpenSoften amount="-20000"/>
-                    </a14:imgEffect>
-                  </a14:imgLayer>
-                </a14:imgProps>
-              </a:ext>
-              <a:ext uri="{28A0092B-C50C-407E-A947-70E740481C1C}">
-                <a14:useLocalDpi xmlns:a14="http://schemas.microsoft.com/office/drawing/2010/main" val="0"/>
-              </a:ext>
-            </a:extLst>
-          </a:blip>
-          <a:srcRect l="38502" t="1646" r="36928" b="61126"/>
-          <a:stretch/>
-        </p:blipFill>
+        </p:nvSpPr>
         <p:spPr bwMode="auto">
           <a:xfrm>
-            <a:off x="5260975" y="3683000"/>
-            <a:ext cx="1670050" cy="1625600"/>
-          </a:xfrm>
-          <a:prstGeom prst="ellipse">
-            <a:avLst/>
-          </a:prstGeom>
-          <a:noFill/>
-          <a:effectLst>
-            <a:softEdge rad="76200"/>
-          </a:effectLst>
-          <a:extLst>
-            <a:ext uri="{909E8E84-426E-40DD-AFC4-6F175D3DCCD1}">
-              <a14:hiddenFill xmlns:a14="http://schemas.microsoft.com/office/drawing/2010/main">
-                <a:solidFill>
-                  <a:srgbClr val="FFFFFF"/>
-                </a:solidFill>
-              </a14:hiddenFill>
-            </a:ext>
-          </a:extLst>
-        </p:spPr>
-      </p:pic>
-      <p:grpSp>
-        <p:nvGrpSpPr>
-          <p:cNvPr id="14" name="그룹 13"/>
-          <p:cNvGrpSpPr/>
-          <p:nvPr/>
-        </p:nvGrpSpPr>
-        <p:grpSpPr>
-          <a:xfrm>
-            <a:off x="951003" y="7937"/>
-            <a:ext cx="10289993" cy="6858000"/>
-            <a:chOff x="1052603" y="0"/>
-            <a:chExt cx="10289993" cy="6858000"/>
-          </a:xfrm>
-        </p:grpSpPr>
-        <p:pic>
-          <p:nvPicPr>
-            <p:cNvPr id="11" name="그림 10"/>
-            <p:cNvPicPr>
-              <a:picLocks noChangeAspect="1"/>
-            </p:cNvPicPr>
-            <p:nvPr/>
-          </p:nvPicPr>
-          <p:blipFill rotWithShape="1">
-            <a:blip r:embed="rId4">
-              <a:duotone>
-                <a:schemeClr val="accent4">
-                  <a:shade val="45000"/>
-                  <a:satMod val="135000"/>
-                </a:schemeClr>
-                <a:prstClr val="white"/>
-              </a:duotone>
-              <a:extLst>
-                <a:ext uri="{BEBA8EAE-BF5A-486C-A8C5-ECC9F3942E4B}">
-                  <a14:imgProps xmlns:a14="http://schemas.microsoft.com/office/drawing/2010/main">
-                    <a14:imgLayer r:embed="rId5">
-                      <a14:imgEffect>
-                        <a14:sharpenSoften amount="100000"/>
-                      </a14:imgEffect>
-                    </a14:imgLayer>
-                  </a14:imgProps>
-                </a:ext>
-              </a:extLst>
-            </a:blip>
-            <a:srcRect l="1" r="-254" b="5224"/>
-            <a:stretch/>
-          </p:blipFill>
-          <p:spPr>
-            <a:xfrm>
-              <a:off x="1052603" y="0"/>
-              <a:ext cx="10289993" cy="6858000"/>
-            </a:xfrm>
-            <a:prstGeom prst="rect">
-              <a:avLst/>
-            </a:prstGeom>
-          </p:spPr>
-        </p:pic>
-        <p:sp>
-          <p:nvSpPr>
-            <p:cNvPr id="8" name="직사각형 7"/>
-            <p:cNvSpPr/>
-            <p:nvPr/>
-          </p:nvSpPr>
-          <p:spPr>
-            <a:xfrm>
-              <a:off x="2451100" y="2628900"/>
-              <a:ext cx="6883400" cy="2451100"/>
-            </a:xfrm>
-            <a:prstGeom prst="rect">
-              <a:avLst/>
-            </a:prstGeom>
-            <a:solidFill>
-              <a:schemeClr val="bg1"/>
-            </a:solidFill>
-            <a:ln>
-              <a:noFill/>
-            </a:ln>
-          </p:spPr>
-          <p:style>
-            <a:lnRef idx="2">
-              <a:schemeClr val="accent1">
-                <a:shade val="50000"/>
-              </a:schemeClr>
-            </a:lnRef>
-            <a:fillRef idx="1">
-              <a:schemeClr val="accent1"/>
-            </a:fillRef>
-            <a:effectRef idx="0">
-              <a:schemeClr val="accent1"/>
-            </a:effectRef>
-            <a:fontRef idx="minor">
-              <a:schemeClr val="lt1"/>
-            </a:fontRef>
-          </p:style>
-          <p:txBody>
-            <a:bodyPr rtlCol="0" anchor="ctr"/>
-            <a:lstStyle/>
-            <a:p>
-              <a:pPr algn="ctr"/>
-              <a:endParaRPr lang="ko-KR" altLang="en-US"/>
-            </a:p>
-          </p:txBody>
-        </p:sp>
-        <p:sp>
-          <p:nvSpPr>
-            <p:cNvPr id="12" name="직사각형 11"/>
-            <p:cNvSpPr/>
-            <p:nvPr/>
-          </p:nvSpPr>
-          <p:spPr>
-            <a:xfrm>
-              <a:off x="2120900" y="664834"/>
-              <a:ext cx="8178800" cy="1570366"/>
-            </a:xfrm>
-            <a:prstGeom prst="rect">
-              <a:avLst/>
-            </a:prstGeom>
-            <a:solidFill>
-              <a:schemeClr val="bg1"/>
-            </a:solidFill>
-            <a:ln>
-              <a:noFill/>
-            </a:ln>
-          </p:spPr>
-          <p:style>
-            <a:lnRef idx="2">
-              <a:schemeClr val="accent1">
-                <a:shade val="50000"/>
-              </a:schemeClr>
-            </a:lnRef>
-            <a:fillRef idx="1">
-              <a:schemeClr val="accent1"/>
-            </a:fillRef>
-            <a:effectRef idx="0">
-              <a:schemeClr val="accent1"/>
-            </a:effectRef>
-            <a:fontRef idx="minor">
-              <a:schemeClr val="lt1"/>
-            </a:fontRef>
-          </p:style>
-          <p:txBody>
-            <a:bodyPr rtlCol="0" anchor="ctr"/>
-            <a:lstStyle/>
-            <a:p>
-              <a:pPr algn="ctr"/>
-              <a:endParaRPr lang="ko-KR" altLang="en-US"/>
-            </a:p>
-          </p:txBody>
-        </p:sp>
-      </p:grpSp>
-      <p:sp>
-        <p:nvSpPr>
-          <p:cNvPr id="13" name="AutoShape 6" descr="Certificate of achievement or diploma template"/>
-          <p:cNvSpPr>
-            <a:spLocks noChangeAspect="1" noChangeArrowheads="1"/>
-          </p:cNvSpPr>
-          <p:nvPr/>
-        </p:nvSpPr>
-        <p:spPr bwMode="auto">
-          <a:xfrm>
-            <a:off x="155575" y="-144463"/>
+            <a:off x="376292" y="360033"/>
             <a:ext cx="304800" cy="304801"/>
           </a:xfrm>
           <a:prstGeom prst="rect">
@@ -3354,10 +3135,536 @@
           </a:p>
         </p:txBody>
       </p:sp>
+      <p:sp>
+        <p:nvSpPr>
+          <p:cNvPr id="7" name="타원 6"/>
+          <p:cNvSpPr/>
+          <p:nvPr/>
+        </p:nvSpPr>
+        <p:spPr>
+          <a:xfrm>
+            <a:off x="9034517" y="2895600"/>
+            <a:ext cx="1701800" cy="1524000"/>
+          </a:xfrm>
+          <a:prstGeom prst="ellipse">
+            <a:avLst/>
+          </a:prstGeom>
+          <a:solidFill>
+            <a:schemeClr val="bg1"/>
+          </a:solidFill>
+          <a:ln>
+            <a:noFill/>
+          </a:ln>
+        </p:spPr>
+        <p:style>
+          <a:lnRef idx="2">
+            <a:schemeClr val="accent1">
+              <a:shade val="50000"/>
+            </a:schemeClr>
+          </a:lnRef>
+          <a:fillRef idx="1">
+            <a:schemeClr val="accent1"/>
+          </a:fillRef>
+          <a:effectRef idx="0">
+            <a:schemeClr val="accent1"/>
+          </a:effectRef>
+          <a:fontRef idx="minor">
+            <a:schemeClr val="lt1"/>
+          </a:fontRef>
+        </p:style>
+        <p:txBody>
+          <a:bodyPr rtlCol="0" anchor="ctr"/>
+          <a:lstStyle/>
+          <a:p>
+            <a:pPr algn="ctr"/>
+            <a:endParaRPr lang="ko-KR" altLang="en-US"/>
+          </a:p>
+        </p:txBody>
+      </p:sp>
+      <p:sp>
+        <p:nvSpPr>
+          <p:cNvPr id="13" name="AutoShape 6" descr="Certificate of achievement or diploma template"/>
+          <p:cNvSpPr>
+            <a:spLocks noChangeAspect="1" noChangeArrowheads="1"/>
+          </p:cNvSpPr>
+          <p:nvPr/>
+        </p:nvSpPr>
+        <p:spPr bwMode="auto">
+          <a:xfrm>
+            <a:off x="155575" y="-144463"/>
+            <a:ext cx="304800" cy="304801"/>
+          </a:xfrm>
+          <a:prstGeom prst="rect">
+            <a:avLst/>
+          </a:prstGeom>
+          <a:noFill/>
+          <a:extLst>
+            <a:ext uri="{909E8E84-426E-40DD-AFC4-6F175D3DCCD1}">
+              <a14:hiddenFill xmlns:a14="http://schemas.microsoft.com/office/drawing/2010/main">
+                <a:solidFill>
+                  <a:srgbClr val="FFFFFF"/>
+                </a:solidFill>
+              </a14:hiddenFill>
+            </a:ext>
+          </a:extLst>
+        </p:spPr>
+        <p:txBody>
+          <a:bodyPr vert="horz" wrap="square" lIns="91440" tIns="45720" rIns="91440" bIns="45720" numCol="1" anchor="t" anchorCtr="0" compatLnSpc="1">
+            <a:prstTxWarp prst="textNoShape">
+              <a:avLst/>
+            </a:prstTxWarp>
+          </a:bodyPr>
+          <a:lstStyle/>
+          <a:p>
+            <a:endParaRPr lang="ko-KR" altLang="en-US"/>
+          </a:p>
+        </p:txBody>
+      </p:sp>
+      <p:pic>
+        <p:nvPicPr>
+          <p:cNvPr id="5" name="그림 4"/>
+          <p:cNvPicPr>
+            <a:picLocks noChangeAspect="1"/>
+          </p:cNvPicPr>
+          <p:nvPr/>
+        </p:nvPicPr>
+        <p:blipFill rotWithShape="1">
+          <a:blip r:embed="rId3"/>
+          <a:srcRect l="23629" t="5165" r="23178" b="48225"/>
+          <a:stretch/>
+        </p:blipFill>
+        <p:spPr>
+          <a:xfrm>
+            <a:off x="4862284" y="4905827"/>
+            <a:ext cx="2467429" cy="1509487"/>
+          </a:xfrm>
+          <a:prstGeom prst="rect">
+            <a:avLst/>
+          </a:prstGeom>
+        </p:spPr>
+      </p:pic>
+      <p:sp>
+        <p:nvSpPr>
+          <p:cNvPr id="10" name="직사각형 9"/>
+          <p:cNvSpPr/>
+          <p:nvPr/>
+        </p:nvSpPr>
+        <p:spPr>
+          <a:xfrm>
+            <a:off x="2003272" y="767015"/>
+            <a:ext cx="8185456" cy="707886"/>
+          </a:xfrm>
+          <a:prstGeom prst="rect">
+            <a:avLst/>
+          </a:prstGeom>
+          <a:solidFill>
+            <a:schemeClr val="bg1"/>
+          </a:solidFill>
+          <a:ln>
+            <a:noFill/>
+          </a:ln>
+        </p:spPr>
+        <p:style>
+          <a:lnRef idx="2">
+            <a:schemeClr val="accent1">
+              <a:shade val="50000"/>
+            </a:schemeClr>
+          </a:lnRef>
+          <a:fillRef idx="1">
+            <a:schemeClr val="accent1"/>
+          </a:fillRef>
+          <a:effectRef idx="0">
+            <a:schemeClr val="accent1"/>
+          </a:effectRef>
+          <a:fontRef idx="minor">
+            <a:schemeClr val="lt1"/>
+          </a:fontRef>
+        </p:style>
+        <p:txBody>
+          <a:bodyPr rtlCol="0" anchor="ctr"/>
+          <a:lstStyle/>
+          <a:p>
+            <a:pPr algn="ctr"/>
+            <a:endParaRPr lang="ko-KR" altLang="en-US"/>
+          </a:p>
+        </p:txBody>
+      </p:sp>
+      <p:sp>
+        <p:nvSpPr>
+          <p:cNvPr id="9" name="TextBox 8"/>
+          <p:cNvSpPr txBox="1"/>
+          <p:nvPr/>
+        </p:nvSpPr>
+        <p:spPr>
+          <a:xfrm>
+            <a:off x="1093077" y="723391"/>
+            <a:ext cx="10005848" cy="707886"/>
+          </a:xfrm>
+          <a:prstGeom prst="rect">
+            <a:avLst/>
+          </a:prstGeom>
+          <a:noFill/>
+        </p:spPr>
+        <p:txBody>
+          <a:bodyPr wrap="square" rtlCol="0">
+            <a:spAutoFit/>
+          </a:bodyPr>
+          <a:lstStyle/>
+          <a:p>
+            <a:pPr algn="ctr"/>
+            <a:r>
+              <a:rPr lang="ko-KR" altLang="en-US" sz="4000" b="1" dirty="0">
+                <a:solidFill>
+                  <a:srgbClr val="F8B202"/>
+                </a:solidFill>
+                <a:latin typeface="배달의민족 도현" panose="020B0600000101010101" pitchFamily="50" charset="-127"/>
+                <a:ea typeface="배달의민족 도현" panose="020B0600000101010101" pitchFamily="50" charset="-127"/>
+              </a:rPr>
+              <a:t>큰 제목을 </a:t>
+            </a:r>
+            <a:r>
+              <a:rPr lang="ko-KR" altLang="en-US" sz="4000" b="1" dirty="0" smtClean="0">
+                <a:solidFill>
+                  <a:srgbClr val="F8B202"/>
+                </a:solidFill>
+                <a:latin typeface="배달의민족 도현" panose="020B0600000101010101" pitchFamily="50" charset="-127"/>
+                <a:ea typeface="배달의민족 도현" panose="020B0600000101010101" pitchFamily="50" charset="-127"/>
+              </a:rPr>
+              <a:t>입력하세요</a:t>
+            </a:r>
+            <a:endParaRPr lang="ko-KR" altLang="en-US" b="1" dirty="0">
+              <a:solidFill>
+                <a:srgbClr val="F8B202"/>
+              </a:solidFill>
+              <a:latin typeface="배달의민족 도현" panose="020B0600000101010101" pitchFamily="50" charset="-127"/>
+              <a:ea typeface="배달의민족 도현" panose="020B0600000101010101" pitchFamily="50" charset="-127"/>
+              <a:cs typeface="함초롬바탕" panose="02030604000101010101" pitchFamily="18" charset="-127"/>
+            </a:endParaRPr>
+          </a:p>
+        </p:txBody>
+      </p:sp>
+      <p:sp>
+        <p:nvSpPr>
+          <p:cNvPr id="17" name="직사각형 16"/>
+          <p:cNvSpPr/>
+          <p:nvPr/>
+        </p:nvSpPr>
+        <p:spPr>
+          <a:xfrm>
+            <a:off x="3930869" y="1447399"/>
+            <a:ext cx="4330262" cy="794143"/>
+          </a:xfrm>
+          <a:prstGeom prst="rect">
+            <a:avLst/>
+          </a:prstGeom>
+          <a:solidFill>
+            <a:schemeClr val="bg1"/>
+          </a:solidFill>
+          <a:ln>
+            <a:noFill/>
+          </a:ln>
+        </p:spPr>
+        <p:style>
+          <a:lnRef idx="2">
+            <a:schemeClr val="accent1">
+              <a:shade val="50000"/>
+            </a:schemeClr>
+          </a:lnRef>
+          <a:fillRef idx="1">
+            <a:schemeClr val="accent1"/>
+          </a:fillRef>
+          <a:effectRef idx="0">
+            <a:schemeClr val="accent1"/>
+          </a:effectRef>
+          <a:fontRef idx="minor">
+            <a:schemeClr val="lt1"/>
+          </a:fontRef>
+        </p:style>
+        <p:txBody>
+          <a:bodyPr rtlCol="0" anchor="ctr"/>
+          <a:lstStyle/>
+          <a:p>
+            <a:pPr algn="ctr"/>
+            <a:endParaRPr lang="ko-KR" altLang="en-US"/>
+          </a:p>
+        </p:txBody>
+      </p:sp>
+      <p:sp>
+        <p:nvSpPr>
+          <p:cNvPr id="18" name="TextBox 17"/>
+          <p:cNvSpPr txBox="1"/>
+          <p:nvPr/>
+        </p:nvSpPr>
+        <p:spPr>
+          <a:xfrm>
+            <a:off x="1093077" y="1618800"/>
+            <a:ext cx="10005848" cy="523220"/>
+          </a:xfrm>
+          <a:prstGeom prst="rect">
+            <a:avLst/>
+          </a:prstGeom>
+          <a:noFill/>
+        </p:spPr>
+        <p:txBody>
+          <a:bodyPr wrap="square" rtlCol="0">
+            <a:spAutoFit/>
+          </a:bodyPr>
+          <a:lstStyle/>
+          <a:p>
+            <a:pPr algn="ctr"/>
+            <a:r>
+              <a:rPr lang="ko-KR" altLang="en-US" sz="1400" b="1" dirty="0" smtClean="0">
+                <a:solidFill>
+                  <a:schemeClr val="bg1">
+                    <a:lumMod val="75000"/>
+                  </a:schemeClr>
+                </a:solidFill>
+              </a:rPr>
+              <a:t>소제목을 입력하세요</a:t>
+            </a:r>
+            <a:endParaRPr lang="en-US" altLang="ko-KR" sz="1400" b="1" dirty="0" smtClean="0">
+              <a:solidFill>
+                <a:schemeClr val="bg1">
+                  <a:lumMod val="75000"/>
+                </a:schemeClr>
+              </a:solidFill>
+            </a:endParaRPr>
+          </a:p>
+          <a:p>
+            <a:pPr algn="ctr"/>
+            <a:r>
+              <a:rPr lang="ko-KR" altLang="en-US" sz="1400" b="1" dirty="0" smtClean="0">
+                <a:solidFill>
+                  <a:schemeClr val="bg1">
+                    <a:lumMod val="75000"/>
+                  </a:schemeClr>
+                </a:solidFill>
+              </a:rPr>
+              <a:t>소제목을 입력하세요</a:t>
+            </a:r>
+            <a:endParaRPr lang="ko-KR" altLang="en-US" sz="1400" b="1" dirty="0">
+              <a:solidFill>
+                <a:schemeClr val="bg1">
+                  <a:lumMod val="75000"/>
+                </a:schemeClr>
+              </a:solidFill>
+            </a:endParaRPr>
+          </a:p>
+        </p:txBody>
+      </p:sp>
+      <p:pic>
+        <p:nvPicPr>
+          <p:cNvPr id="19" name="그림 18"/>
+          <p:cNvPicPr>
+            <a:picLocks noChangeAspect="1"/>
+          </p:cNvPicPr>
+          <p:nvPr/>
+        </p:nvPicPr>
+        <p:blipFill rotWithShape="1">
+          <a:blip r:embed="rId4"/>
+          <a:srcRect l="21474" t="54127" r="21091" b="39293"/>
+          <a:stretch/>
+        </p:blipFill>
+        <p:spPr>
+          <a:xfrm>
+            <a:off x="3930869" y="3401971"/>
+            <a:ext cx="4424855" cy="357351"/>
+          </a:xfrm>
+          <a:prstGeom prst="rect">
+            <a:avLst/>
+          </a:prstGeom>
+        </p:spPr>
+      </p:pic>
+      <p:sp>
+        <p:nvSpPr>
+          <p:cNvPr id="20" name="TextBox 19"/>
+          <p:cNvSpPr txBox="1"/>
+          <p:nvPr/>
+        </p:nvSpPr>
+        <p:spPr>
+          <a:xfrm>
+            <a:off x="1093074" y="2869668"/>
+            <a:ext cx="10005848" cy="584775"/>
+          </a:xfrm>
+          <a:prstGeom prst="rect">
+            <a:avLst/>
+          </a:prstGeom>
+          <a:noFill/>
+        </p:spPr>
+        <p:txBody>
+          <a:bodyPr wrap="square" rtlCol="0">
+            <a:spAutoFit/>
+          </a:bodyPr>
+          <a:lstStyle/>
+          <a:p>
+            <a:pPr algn="ctr"/>
+            <a:r>
+              <a:rPr lang="ko-KR" altLang="en-US" sz="3200" b="1" dirty="0" smtClean="0">
+                <a:solidFill>
+                  <a:srgbClr val="969696"/>
+                </a:solidFill>
+                <a:latin typeface="배달의민족 주아" panose="02020603020101020101" pitchFamily="18" charset="-127"/>
+                <a:ea typeface="배달의민족 주아" panose="02020603020101020101" pitchFamily="18" charset="-127"/>
+              </a:rPr>
+              <a:t>과장 이름 </a:t>
+            </a:r>
+            <a:r>
+              <a:rPr lang="en-US" altLang="ko-KR" sz="3200" b="1" dirty="0" smtClean="0">
+                <a:solidFill>
+                  <a:srgbClr val="969696"/>
+                </a:solidFill>
+                <a:latin typeface="배달의민족 주아" panose="02020603020101020101" pitchFamily="18" charset="-127"/>
+                <a:ea typeface="배달의민족 주아" panose="02020603020101020101" pitchFamily="18" charset="-127"/>
+              </a:rPr>
+              <a:t>&amp;</a:t>
+            </a:r>
+            <a:r>
+              <a:rPr lang="ko-KR" altLang="en-US" sz="3200" b="1" dirty="0" smtClean="0">
+                <a:solidFill>
+                  <a:srgbClr val="969696"/>
+                </a:solidFill>
+                <a:latin typeface="배달의민족 주아" panose="02020603020101020101" pitchFamily="18" charset="-127"/>
+                <a:ea typeface="배달의민족 주아" panose="02020603020101020101" pitchFamily="18" charset="-127"/>
+              </a:rPr>
+              <a:t> </a:t>
+            </a:r>
+            <a:r>
+              <a:rPr lang="ko-KR" altLang="en-US" sz="3200" b="1" dirty="0" err="1" smtClean="0">
+                <a:solidFill>
+                  <a:srgbClr val="969696"/>
+                </a:solidFill>
+                <a:latin typeface="배달의민족 주아" panose="02020603020101020101" pitchFamily="18" charset="-127"/>
+                <a:ea typeface="배달의민족 주아" panose="02020603020101020101" pitchFamily="18" charset="-127"/>
+              </a:rPr>
+              <a:t>수습계장</a:t>
+            </a:r>
+            <a:r>
+              <a:rPr lang="ko-KR" altLang="en-US" sz="3200" b="1" dirty="0" smtClean="0">
+                <a:solidFill>
+                  <a:srgbClr val="969696"/>
+                </a:solidFill>
+                <a:latin typeface="배달의민족 주아" panose="02020603020101020101" pitchFamily="18" charset="-127"/>
+                <a:ea typeface="배달의민족 주아" panose="02020603020101020101" pitchFamily="18" charset="-127"/>
+              </a:rPr>
+              <a:t> 이름 </a:t>
+            </a:r>
+            <a:endParaRPr lang="ko-KR" altLang="en-US" sz="3200" b="1" dirty="0">
+              <a:solidFill>
+                <a:srgbClr val="969696"/>
+              </a:solidFill>
+              <a:latin typeface="배달의민족 주아" panose="02020603020101020101" pitchFamily="18" charset="-127"/>
+              <a:ea typeface="배달의민족 주아" panose="02020603020101020101" pitchFamily="18" charset="-127"/>
+            </a:endParaRPr>
+          </a:p>
+        </p:txBody>
+      </p:sp>
+      <p:sp>
+        <p:nvSpPr>
+          <p:cNvPr id="24" name="TextBox 23"/>
+          <p:cNvSpPr txBox="1"/>
+          <p:nvPr/>
+        </p:nvSpPr>
+        <p:spPr>
+          <a:xfrm>
+            <a:off x="1108038" y="4096434"/>
+            <a:ext cx="9950823" cy="830997"/>
+          </a:xfrm>
+          <a:prstGeom prst="rect">
+            <a:avLst/>
+          </a:prstGeom>
+          <a:noFill/>
+        </p:spPr>
+        <p:txBody>
+          <a:bodyPr wrap="square" rtlCol="0">
+            <a:spAutoFit/>
+          </a:bodyPr>
+          <a:lstStyle/>
+          <a:p>
+            <a:pPr algn="ctr"/>
+            <a:r>
+              <a:rPr lang="ko-KR" altLang="en-US" sz="1200" dirty="0" smtClean="0">
+                <a:solidFill>
+                  <a:schemeClr val="bg1">
+                    <a:lumMod val="65000"/>
+                  </a:schemeClr>
+                </a:solidFill>
+              </a:rPr>
+              <a:t>세부내용을 적어주세요</a:t>
+            </a:r>
+            <a:endParaRPr lang="en-US" altLang="ko-KR" sz="1200" dirty="0" smtClean="0">
+              <a:solidFill>
+                <a:schemeClr val="bg1">
+                  <a:lumMod val="65000"/>
+                </a:schemeClr>
+              </a:solidFill>
+            </a:endParaRPr>
+          </a:p>
+          <a:p>
+            <a:pPr algn="ctr"/>
+            <a:r>
+              <a:rPr lang="ko-KR" altLang="en-US" sz="1200" dirty="0" smtClean="0">
+                <a:solidFill>
+                  <a:schemeClr val="bg1">
+                    <a:lumMod val="65000"/>
+                  </a:schemeClr>
+                </a:solidFill>
+              </a:rPr>
+              <a:t>세부내용을 적어주세요</a:t>
+            </a:r>
+            <a:endParaRPr lang="en-US" altLang="ko-KR" sz="1200" dirty="0" smtClean="0">
+              <a:solidFill>
+                <a:schemeClr val="bg1">
+                  <a:lumMod val="65000"/>
+                </a:schemeClr>
+              </a:solidFill>
+            </a:endParaRPr>
+          </a:p>
+          <a:p>
+            <a:pPr algn="ctr"/>
+            <a:r>
+              <a:rPr lang="ko-KR" altLang="en-US" sz="1200" dirty="0" smtClean="0">
+                <a:solidFill>
+                  <a:schemeClr val="bg1">
+                    <a:lumMod val="65000"/>
+                  </a:schemeClr>
+                </a:solidFill>
+              </a:rPr>
+              <a:t>세부내용을 적어주세요</a:t>
+            </a:r>
+            <a:endParaRPr lang="en-US" altLang="ko-KR" sz="1200" dirty="0" smtClean="0">
+              <a:solidFill>
+                <a:schemeClr val="bg1">
+                  <a:lumMod val="65000"/>
+                </a:schemeClr>
+              </a:solidFill>
+            </a:endParaRPr>
+          </a:p>
+          <a:p>
+            <a:pPr algn="ctr"/>
+            <a:r>
+              <a:rPr lang="ko-KR" altLang="en-US" sz="1200" dirty="0" smtClean="0">
+                <a:solidFill>
+                  <a:schemeClr val="bg1">
+                    <a:lumMod val="65000"/>
+                  </a:schemeClr>
+                </a:solidFill>
+              </a:rPr>
+              <a:t>세부내용을 적어주세요</a:t>
+            </a:r>
+            <a:endParaRPr lang="ko-KR" altLang="en-US" sz="1200" dirty="0">
+              <a:solidFill>
+                <a:schemeClr val="bg1">
+                  <a:lumMod val="65000"/>
+                </a:schemeClr>
+              </a:solidFill>
+            </a:endParaRPr>
+          </a:p>
+        </p:txBody>
+      </p:sp>
     </p:spTree>
     <p:extLst>
       <p:ext uri="{BB962C8B-B14F-4D97-AF65-F5344CB8AC3E}">
-        <p14:creationId xmlns:p14="http://schemas.microsoft.com/office/powerpoint/2010/main" val="2878496328"/>
+        <p14:creationId xmlns:p14="http://schemas.microsoft.com/office/powerpoint/2010/main" val="3085269398"/>
       </p:ext>
     </p:extLst>
   </p:cSld>
@@ -3391,16 +3698,58 @@
           <a:chExt cx="0" cy="0"/>
         </a:xfrm>
       </p:grpSpPr>
-      <p:sp>
-        <p:nvSpPr>
-          <p:cNvPr id="15" name="직사각형 14"/>
+      <p:pic>
+        <p:nvPicPr>
+          <p:cNvPr id="3" name="그림 2"/>
+          <p:cNvPicPr>
+            <a:picLocks noChangeAspect="1"/>
+          </p:cNvPicPr>
+          <p:nvPr/>
+        </p:nvPicPr>
+        <p:blipFill rotWithShape="1">
+          <a:blip r:embed="rId2">
+            <a:duotone>
+              <a:schemeClr val="accent4">
+                <a:shade val="45000"/>
+                <a:satMod val="135000"/>
+              </a:schemeClr>
+              <a:prstClr val="white"/>
+            </a:duotone>
+            <a:extLst>
+              <a:ext uri="{BEBA8EAE-BF5A-486C-A8C5-ECC9F3942E4B}">
+                <a14:imgProps xmlns:a14="http://schemas.microsoft.com/office/drawing/2010/main">
+                  <a14:imgLayer r:embed="rId3">
+                    <a14:imgEffect>
+                      <a14:sharpenSoften amount="100000"/>
+                    </a14:imgEffect>
+                  </a14:imgLayer>
+                </a14:imgProps>
+              </a:ext>
+            </a:extLst>
+          </a:blip>
+          <a:srcRect t="1391" b="6580"/>
+          <a:stretch/>
+        </p:blipFill>
+        <p:spPr>
+          <a:xfrm>
+            <a:off x="950685" y="54202"/>
+            <a:ext cx="10290629" cy="6676572"/>
+          </a:xfrm>
+          <a:prstGeom prst="rect">
+            <a:avLst/>
+          </a:prstGeom>
+        </p:spPr>
+      </p:pic>
+      <p:sp>
+        <p:nvSpPr>
+          <p:cNvPr id="21" name="직사각형 20"/>
           <p:cNvSpPr/>
           <p:nvPr/>
         </p:nvSpPr>
         <p:spPr>
           <a:xfrm>
-            <a:off x="2155971" y="2895600"/>
-            <a:ext cx="8178800" cy="2184400"/>
+            <a:off x="2638097" y="2678452"/>
+            <a:ext cx="6737131" cy="1357519"/>
           </a:xfrm>
           <a:prstGeom prst="rect">
             <a:avLst/>
@@ -3433,61 +3782,22 @@
           <a:lstStyle/>
           <a:p>
             <a:pPr algn="ctr"/>
-            <a:endParaRPr lang="ko-KR" altLang="en-US"/>
-          </a:p>
-        </p:txBody>
-      </p:sp>
-      <p:sp>
-        <p:nvSpPr>
-          <p:cNvPr id="4" name="AutoShape 2" descr="Certificate retro design template"/>
-          <p:cNvSpPr>
-            <a:spLocks noChangeAspect="1" noChangeArrowheads="1"/>
-          </p:cNvSpPr>
-          <p:nvPr/>
-        </p:nvSpPr>
-        <p:spPr bwMode="auto">
-          <a:xfrm>
-            <a:off x="376292" y="360033"/>
-            <a:ext cx="304800" cy="304801"/>
-          </a:xfrm>
-          <a:prstGeom prst="rect">
-            <a:avLst/>
-          </a:prstGeom>
-          <a:noFill/>
-          <a:extLst>
-            <a:ext uri="{909E8E84-426E-40DD-AFC4-6F175D3DCCD1}">
-              <a14:hiddenFill xmlns:a14="http://schemas.microsoft.com/office/drawing/2010/main">
-                <a:solidFill>
-                  <a:srgbClr val="FFFFFF"/>
-                </a:solidFill>
-              </a14:hiddenFill>
-            </a:ext>
-          </a:extLst>
-        </p:spPr>
-        <p:txBody>
-          <a:bodyPr vert="horz" wrap="square" lIns="91440" tIns="45720" rIns="91440" bIns="45720" numCol="1" anchor="t" anchorCtr="0" compatLnSpc="1">
-            <a:prstTxWarp prst="textNoShape">
-              <a:avLst/>
-            </a:prstTxWarp>
-          </a:bodyPr>
-          <a:lstStyle/>
-          <a:p>
-            <a:endParaRPr lang="ko-KR" altLang="en-US"/>
-          </a:p>
-        </p:txBody>
-      </p:sp>
-      <p:sp>
-        <p:nvSpPr>
-          <p:cNvPr id="7" name="타원 6"/>
+            <a:endParaRPr lang="ko-KR" altLang="en-US" dirty="0"/>
+          </a:p>
+        </p:txBody>
+      </p:sp>
+      <p:sp>
+        <p:nvSpPr>
+          <p:cNvPr id="15" name="직사각형 14"/>
           <p:cNvSpPr/>
           <p:nvPr/>
         </p:nvSpPr>
         <p:spPr>
           <a:xfrm>
-            <a:off x="9034517" y="2895600"/>
-            <a:ext cx="1701800" cy="1524000"/>
-          </a:xfrm>
-          <a:prstGeom prst="ellipse">
+            <a:off x="2155971" y="2895600"/>
+            <a:ext cx="8178800" cy="2184400"/>
+          </a:xfrm>
+          <a:prstGeom prst="rect">
             <a:avLst/>
           </a:prstGeom>
           <a:solidFill>
@@ -3522,206 +3832,17 @@
           </a:p>
         </p:txBody>
       </p:sp>
-      <p:pic>
-        <p:nvPicPr>
-          <p:cNvPr id="1028" name="Picture 4" descr="Image result for 농협 로고"/>
-          <p:cNvPicPr>
-            <a:picLocks noChangeAspect="1" noChangeArrowheads="1"/>
-          </p:cNvPicPr>
+      <p:sp>
+        <p:nvSpPr>
+          <p:cNvPr id="4" name="AutoShape 2" descr="Certificate retro design template"/>
+          <p:cNvSpPr>
+            <a:spLocks noChangeAspect="1" noChangeArrowheads="1"/>
+          </p:cNvSpPr>
           <p:nvPr/>
-        </p:nvPicPr>
-        <p:blipFill rotWithShape="1">
-          <a:blip r:embed="rId2">
-            <a:extLst>
-              <a:ext uri="{BEBA8EAE-BF5A-486C-A8C5-ECC9F3942E4B}">
-                <a14:imgProps xmlns:a14="http://schemas.microsoft.com/office/drawing/2010/main">
-                  <a14:imgLayer r:embed="rId3">
-                    <a14:imgEffect>
-                      <a14:sharpenSoften amount="-20000"/>
-                    </a14:imgEffect>
-                  </a14:imgLayer>
-                </a14:imgProps>
-              </a:ext>
-              <a:ext uri="{28A0092B-C50C-407E-A947-70E740481C1C}">
-                <a14:useLocalDpi xmlns:a14="http://schemas.microsoft.com/office/drawing/2010/main" val="0"/>
-              </a:ext>
-            </a:extLst>
-          </a:blip>
-          <a:srcRect l="38502" t="1646" r="36928" b="61126"/>
-          <a:stretch/>
-        </p:blipFill>
+        </p:nvSpPr>
         <p:spPr bwMode="auto">
           <a:xfrm>
-            <a:off x="5260975" y="4940300"/>
-            <a:ext cx="1670050" cy="1625600"/>
-          </a:xfrm>
-          <a:prstGeom prst="ellipse">
-            <a:avLst/>
-          </a:prstGeom>
-          <a:noFill/>
-          <a:effectLst>
-            <a:softEdge rad="76200"/>
-          </a:effectLst>
-          <a:extLst>
-            <a:ext uri="{909E8E84-426E-40DD-AFC4-6F175D3DCCD1}">
-              <a14:hiddenFill xmlns:a14="http://schemas.microsoft.com/office/drawing/2010/main">
-                <a:solidFill>
-                  <a:srgbClr val="FFFFFF"/>
-                </a:solidFill>
-              </a14:hiddenFill>
-            </a:ext>
-          </a:extLst>
-        </p:spPr>
-      </p:pic>
-      <p:grpSp>
-        <p:nvGrpSpPr>
-          <p:cNvPr id="14" name="그룹 13"/>
-          <p:cNvGrpSpPr/>
-          <p:nvPr/>
-        </p:nvGrpSpPr>
-        <p:grpSpPr>
-          <a:xfrm>
-            <a:off x="1052603" y="0"/>
-            <a:ext cx="10289993" cy="6858000"/>
-            <a:chOff x="1052603" y="0"/>
-            <a:chExt cx="10289993" cy="6858000"/>
-          </a:xfrm>
-        </p:grpSpPr>
-        <p:pic>
-          <p:nvPicPr>
-            <p:cNvPr id="11" name="그림 10"/>
-            <p:cNvPicPr>
-              <a:picLocks noChangeAspect="1"/>
-            </p:cNvPicPr>
-            <p:nvPr/>
-          </p:nvPicPr>
-          <p:blipFill rotWithShape="1">
-            <a:blip r:embed="rId4">
-              <a:duotone>
-                <a:schemeClr val="accent4">
-                  <a:shade val="45000"/>
-                  <a:satMod val="135000"/>
-                </a:schemeClr>
-                <a:prstClr val="white"/>
-              </a:duotone>
-            </a:blip>
-            <a:srcRect l="1" r="-254" b="5224"/>
-            <a:stretch/>
-          </p:blipFill>
-          <p:spPr>
-            <a:xfrm>
-              <a:off x="1052603" y="0"/>
-              <a:ext cx="10289993" cy="6858000"/>
-            </a:xfrm>
-            <a:prstGeom prst="rect">
-              <a:avLst/>
-            </a:prstGeom>
-          </p:spPr>
-        </p:pic>
-        <p:sp>
-          <p:nvSpPr>
-            <p:cNvPr id="8" name="직사각형 7"/>
-            <p:cNvSpPr/>
-            <p:nvPr/>
-          </p:nvSpPr>
-          <p:spPr>
-            <a:xfrm>
-              <a:off x="2451100" y="2628900"/>
-              <a:ext cx="6883400" cy="2451100"/>
-            </a:xfrm>
-            <a:prstGeom prst="rect">
-              <a:avLst/>
-            </a:prstGeom>
-            <a:solidFill>
-              <a:schemeClr val="bg1"/>
-            </a:solidFill>
-            <a:ln>
-              <a:noFill/>
-            </a:ln>
-          </p:spPr>
-          <p:style>
-            <a:lnRef idx="2">
-              <a:schemeClr val="accent1">
-                <a:shade val="50000"/>
-              </a:schemeClr>
-            </a:lnRef>
-            <a:fillRef idx="1">
-              <a:schemeClr val="accent1"/>
-            </a:fillRef>
-            <a:effectRef idx="0">
-              <a:schemeClr val="accent1"/>
-            </a:effectRef>
-            <a:fontRef idx="minor">
-              <a:schemeClr val="lt1"/>
-            </a:fontRef>
-          </p:style>
-          <p:txBody>
-            <a:bodyPr rtlCol="0" anchor="ctr"/>
-            <a:lstStyle/>
-            <a:p>
-              <a:pPr algn="ctr"/>
-              <a:endParaRPr lang="ko-KR" altLang="en-US"/>
-            </a:p>
-          </p:txBody>
-        </p:sp>
-        <p:sp>
-          <p:nvSpPr>
-            <p:cNvPr id="12" name="직사각형 11"/>
-            <p:cNvSpPr/>
-            <p:nvPr/>
-          </p:nvSpPr>
-          <p:spPr>
-            <a:xfrm>
-              <a:off x="2120900" y="664834"/>
-              <a:ext cx="8178800" cy="1570366"/>
-            </a:xfrm>
-            <a:prstGeom prst="rect">
-              <a:avLst/>
-            </a:prstGeom>
-            <a:solidFill>
-              <a:schemeClr val="bg1"/>
-            </a:solidFill>
-            <a:ln>
-              <a:noFill/>
-            </a:ln>
-          </p:spPr>
-          <p:style>
-            <a:lnRef idx="2">
-              <a:schemeClr val="accent1">
-                <a:shade val="50000"/>
-              </a:schemeClr>
-            </a:lnRef>
-            <a:fillRef idx="1">
-              <a:schemeClr val="accent1"/>
-            </a:fillRef>
-            <a:effectRef idx="0">
-              <a:schemeClr val="accent1"/>
-            </a:effectRef>
-            <a:fontRef idx="minor">
-              <a:schemeClr val="lt1"/>
-            </a:fontRef>
-          </p:style>
-          <p:txBody>
-            <a:bodyPr rtlCol="0" anchor="ctr"/>
-            <a:lstStyle/>
-            <a:p>
-              <a:pPr algn="ctr"/>
-              <a:endParaRPr lang="ko-KR" altLang="en-US"/>
-            </a:p>
-          </p:txBody>
-        </p:sp>
-      </p:grpSp>
-      <p:sp>
-        <p:nvSpPr>
-          <p:cNvPr id="13" name="AutoShape 6" descr="Certificate of achievement or diploma template"/>
-          <p:cNvSpPr>
-            <a:spLocks noChangeAspect="1" noChangeArrowheads="1"/>
-          </p:cNvSpPr>
-          <p:nvPr/>
-        </p:nvSpPr>
-        <p:spPr bwMode="auto">
-          <a:xfrm>
-            <a:off x="155575" y="-144463"/>
+            <a:off x="376292" y="360033"/>
             <a:ext cx="304800" cy="304801"/>
           </a:xfrm>
           <a:prstGeom prst="rect">
@@ -3750,55 +3871,18 @@
           </a:p>
         </p:txBody>
       </p:sp>
-    </p:spTree>
-    <p:extLst>
-      <p:ext uri="{BB962C8B-B14F-4D97-AF65-F5344CB8AC3E}">
-        <p14:creationId xmlns:p14="http://schemas.microsoft.com/office/powerpoint/2010/main" val="3081324401"/>
-      </p:ext>
-    </p:extLst>
-  </p:cSld>
-  <p:clrMapOvr>
-    <a:masterClrMapping/>
-  </p:clrMapOvr>
-  <p:timing>
-    <p:tnLst>
-      <p:par>
-        <p:cTn id="1" dur="indefinite" restart="never" nodeType="tmRoot"/>
-      </p:par>
-    </p:tnLst>
-  </p:timing>
-</p:sld>
-</file>
-
-<file path=ppt/slides/slide3.xml><?xml version="1.0" encoding="utf-8"?>
-<p:sld xmlns:a="http://schemas.openxmlformats.org/drawingml/2006/main" xmlns:r="http://schemas.openxmlformats.org/officeDocument/2006/relationships" xmlns:p="http://schemas.openxmlformats.org/presentationml/2006/main">
-  <p:cSld>
-    <p:spTree>
-      <p:nvGrpSpPr>
-        <p:cNvPr id="1" name=""/>
-        <p:cNvGrpSpPr/>
-        <p:nvPr/>
-      </p:nvGrpSpPr>
-      <p:grpSpPr>
-        <a:xfrm>
-          <a:off x="0" y="0"/>
-          <a:ext cx="0" cy="0"/>
-          <a:chOff x="0" y="0"/>
-          <a:chExt cx="0" cy="0"/>
-        </a:xfrm>
-      </p:grpSpPr>
-      <p:sp>
-        <p:nvSpPr>
-          <p:cNvPr id="15" name="직사각형 14"/>
+      <p:sp>
+        <p:nvSpPr>
+          <p:cNvPr id="7" name="타원 6"/>
           <p:cNvSpPr/>
           <p:nvPr/>
         </p:nvSpPr>
         <p:spPr>
           <a:xfrm>
-            <a:off x="2155971" y="2895600"/>
-            <a:ext cx="8178800" cy="2184400"/>
-          </a:xfrm>
-          <a:prstGeom prst="rect">
+            <a:off x="9034517" y="2895600"/>
+            <a:ext cx="1701800" cy="1524000"/>
+          </a:xfrm>
+          <a:prstGeom prst="ellipse">
             <a:avLst/>
           </a:prstGeom>
           <a:solidFill>
@@ -3835,7 +3919,7 @@
       </p:sp>
       <p:sp>
         <p:nvSpPr>
-          <p:cNvPr id="4" name="AutoShape 2" descr="Certificate retro design template"/>
+          <p:cNvPr id="13" name="AutoShape 6" descr="Certificate of achievement or diploma template"/>
           <p:cNvSpPr>
             <a:spLocks noChangeAspect="1" noChangeArrowheads="1"/>
           </p:cNvSpPr>
@@ -3843,7 +3927,7 @@
         </p:nvSpPr>
         <p:spPr bwMode="auto">
           <a:xfrm>
-            <a:off x="376292" y="360033"/>
+            <a:off x="155575" y="-144463"/>
             <a:ext cx="304800" cy="304801"/>
           </a:xfrm>
           <a:prstGeom prst="rect">
@@ -3872,18 +3956,41 @@
           </a:p>
         </p:txBody>
       </p:sp>
-      <p:sp>
-        <p:nvSpPr>
-          <p:cNvPr id="7" name="타원 6"/>
+      <p:pic>
+        <p:nvPicPr>
+          <p:cNvPr id="5" name="그림 4"/>
+          <p:cNvPicPr>
+            <a:picLocks noChangeAspect="1"/>
+          </p:cNvPicPr>
+          <p:nvPr/>
+        </p:nvPicPr>
+        <p:blipFill rotWithShape="1">
+          <a:blip r:embed="rId4"/>
+          <a:srcRect l="23629" t="5165" r="23178" b="48225"/>
+          <a:stretch/>
+        </p:blipFill>
+        <p:spPr>
+          <a:xfrm>
+            <a:off x="4862284" y="4905827"/>
+            <a:ext cx="2467429" cy="1509487"/>
+          </a:xfrm>
+          <a:prstGeom prst="rect">
+            <a:avLst/>
+          </a:prstGeom>
+        </p:spPr>
+      </p:pic>
+      <p:sp>
+        <p:nvSpPr>
+          <p:cNvPr id="10" name="직사각형 9"/>
           <p:cNvSpPr/>
           <p:nvPr/>
         </p:nvSpPr>
         <p:spPr>
           <a:xfrm>
-            <a:off x="9034517" y="2895600"/>
-            <a:ext cx="1701800" cy="1524000"/>
-          </a:xfrm>
-          <a:prstGeom prst="ellipse">
+            <a:off x="2003272" y="767015"/>
+            <a:ext cx="8185456" cy="707886"/>
+          </a:xfrm>
+          <a:prstGeom prst="rect">
             <a:avLst/>
           </a:prstGeom>
           <a:solidFill>
@@ -3918,217 +4025,70 @@
           </a:p>
         </p:txBody>
       </p:sp>
-      <p:pic>
-        <p:nvPicPr>
-          <p:cNvPr id="1028" name="Picture 4" descr="Image result for 농협 로고"/>
-          <p:cNvPicPr>
-            <a:picLocks noChangeAspect="1" noChangeArrowheads="1"/>
-          </p:cNvPicPr>
+      <p:sp>
+        <p:nvSpPr>
+          <p:cNvPr id="9" name="TextBox 8"/>
+          <p:cNvSpPr txBox="1"/>
           <p:nvPr/>
-        </p:nvPicPr>
-        <p:blipFill rotWithShape="1">
-          <a:blip r:embed="rId2">
-            <a:extLst>
-              <a:ext uri="{BEBA8EAE-BF5A-486C-A8C5-ECC9F3942E4B}">
-                <a14:imgProps xmlns:a14="http://schemas.microsoft.com/office/drawing/2010/main">
-                  <a14:imgLayer r:embed="rId3">
-                    <a14:imgEffect>
-                      <a14:sharpenSoften amount="-20000"/>
-                    </a14:imgEffect>
-                  </a14:imgLayer>
-                </a14:imgProps>
-              </a:ext>
-              <a:ext uri="{28A0092B-C50C-407E-A947-70E740481C1C}">
-                <a14:useLocalDpi xmlns:a14="http://schemas.microsoft.com/office/drawing/2010/main" val="0"/>
-              </a:ext>
-            </a:extLst>
-          </a:blip>
-          <a:srcRect l="38502" t="1646" r="36928" b="61126"/>
-          <a:stretch/>
-        </p:blipFill>
-        <p:spPr bwMode="auto">
-          <a:xfrm>
-            <a:off x="5260975" y="4940300"/>
-            <a:ext cx="1670050" cy="1625600"/>
-          </a:xfrm>
-          <a:prstGeom prst="ellipse">
-            <a:avLst/>
-          </a:prstGeom>
-          <a:noFill/>
-          <a:effectLst>
-            <a:softEdge rad="76200"/>
-          </a:effectLst>
-          <a:extLst>
-            <a:ext uri="{909E8E84-426E-40DD-AFC4-6F175D3DCCD1}">
-              <a14:hiddenFill xmlns:a14="http://schemas.microsoft.com/office/drawing/2010/main">
-                <a:solidFill>
-                  <a:srgbClr val="FFFFFF"/>
-                </a:solidFill>
-              </a14:hiddenFill>
-            </a:ext>
-          </a:extLst>
-        </p:spPr>
-      </p:pic>
-      <p:sp>
-        <p:nvSpPr>
-          <p:cNvPr id="13" name="AutoShape 6" descr="Certificate of achievement or diploma template"/>
-          <p:cNvSpPr>
-            <a:spLocks noChangeAspect="1" noChangeArrowheads="1"/>
-          </p:cNvSpPr>
-          <p:nvPr/>
-        </p:nvSpPr>
-        <p:spPr bwMode="auto">
-          <a:xfrm>
-            <a:off x="155575" y="-144463"/>
-            <a:ext cx="304800" cy="304801"/>
+        </p:nvSpPr>
+        <p:spPr>
+          <a:xfrm>
+            <a:off x="1093077" y="723391"/>
+            <a:ext cx="10005848" cy="707886"/>
           </a:xfrm>
           <a:prstGeom prst="rect">
             <a:avLst/>
           </a:prstGeom>
           <a:noFill/>
-          <a:extLst>
-            <a:ext uri="{909E8E84-426E-40DD-AFC4-6F175D3DCCD1}">
-              <a14:hiddenFill xmlns:a14="http://schemas.microsoft.com/office/drawing/2010/main">
+        </p:spPr>
+        <p:txBody>
+          <a:bodyPr wrap="square" rtlCol="0">
+            <a:spAutoFit/>
+          </a:bodyPr>
+          <a:lstStyle/>
+          <a:p>
+            <a:pPr algn="ctr"/>
+            <a:r>
+              <a:rPr lang="ko-KR" altLang="en-US" sz="4000" b="1" dirty="0">
                 <a:solidFill>
-                  <a:srgbClr val="FFFFFF"/>
+                  <a:srgbClr val="F8B202"/>
                 </a:solidFill>
-              </a14:hiddenFill>
-            </a:ext>
-          </a:extLst>
-        </p:spPr>
-        <p:txBody>
-          <a:bodyPr vert="horz" wrap="square" lIns="91440" tIns="45720" rIns="91440" bIns="45720" numCol="1" anchor="t" anchorCtr="0" compatLnSpc="1">
-            <a:prstTxWarp prst="textNoShape">
-              <a:avLst/>
-            </a:prstTxWarp>
-          </a:bodyPr>
-          <a:lstStyle/>
-          <a:p>
-            <a:endParaRPr lang="ko-KR" altLang="en-US"/>
-          </a:p>
-        </p:txBody>
-      </p:sp>
-      <p:pic>
-        <p:nvPicPr>
-          <p:cNvPr id="16" name="Picture 4" descr="Image result for 농협 로고"/>
-          <p:cNvPicPr>
-            <a:picLocks noChangeAspect="1" noChangeArrowheads="1"/>
-          </p:cNvPicPr>
-          <p:nvPr/>
-        </p:nvPicPr>
-        <p:blipFill rotWithShape="1">
-          <a:blip r:embed="rId2">
-            <a:extLst>
-              <a:ext uri="{BEBA8EAE-BF5A-486C-A8C5-ECC9F3942E4B}">
-                <a14:imgProps xmlns:a14="http://schemas.microsoft.com/office/drawing/2010/main">
-                  <a14:imgLayer r:embed="rId3">
-                    <a14:imgEffect>
-                      <a14:sharpenSoften amount="-20000"/>
-                    </a14:imgEffect>
-                  </a14:imgLayer>
-                </a14:imgProps>
-              </a:ext>
-              <a:ext uri="{28A0092B-C50C-407E-A947-70E740481C1C}">
-                <a14:useLocalDpi xmlns:a14="http://schemas.microsoft.com/office/drawing/2010/main" val="0"/>
-              </a:ext>
-            </a:extLst>
-          </a:blip>
-          <a:srcRect l="38502" t="1646" r="36928" b="61126"/>
-          <a:stretch/>
-        </p:blipFill>
-        <p:spPr bwMode="auto">
-          <a:xfrm>
-            <a:off x="2038423" y="4267200"/>
-            <a:ext cx="1604663" cy="1625600"/>
-          </a:xfrm>
-          <a:prstGeom prst="ellipse">
-            <a:avLst/>
-          </a:prstGeom>
-          <a:noFill/>
-          <a:effectLst>
-            <a:softEdge rad="76200"/>
-          </a:effectLst>
-          <a:extLst>
-            <a:ext uri="{909E8E84-426E-40DD-AFC4-6F175D3DCCD1}">
-              <a14:hiddenFill xmlns:a14="http://schemas.microsoft.com/office/drawing/2010/main">
+                <a:latin typeface="배달의민족 도현" panose="020B0600000101010101" pitchFamily="50" charset="-127"/>
+                <a:ea typeface="배달의민족 도현" panose="020B0600000101010101" pitchFamily="50" charset="-127"/>
+              </a:rPr>
+              <a:t>큰 제목을 </a:t>
+            </a:r>
+            <a:r>
+              <a:rPr lang="ko-KR" altLang="en-US" sz="4000" b="1" dirty="0" smtClean="0">
                 <a:solidFill>
-                  <a:srgbClr val="FFFFFF"/>
+                  <a:srgbClr val="F8B202"/>
                 </a:solidFill>
-              </a14:hiddenFill>
-            </a:ext>
-          </a:extLst>
-        </p:spPr>
-      </p:pic>
-    </p:spTree>
-    <p:extLst>
-      <p:ext uri="{BB962C8B-B14F-4D97-AF65-F5344CB8AC3E}">
-        <p14:creationId xmlns:p14="http://schemas.microsoft.com/office/powerpoint/2010/main" val="2001499246"/>
-      </p:ext>
-    </p:extLst>
-  </p:cSld>
-  <p:clrMapOvr>
-    <a:masterClrMapping/>
-  </p:clrMapOvr>
-  <p:timing>
-    <p:tnLst>
-      <p:par>
-        <p:cTn id="1" dur="indefinite" restart="never" nodeType="tmRoot"/>
-      </p:par>
-    </p:tnLst>
-  </p:timing>
-</p:sld>
-</file>
-
-<file path=ppt/slides/slide4.xml><?xml version="1.0" encoding="utf-8"?>
-<p:sld xmlns:a="http://schemas.openxmlformats.org/drawingml/2006/main" xmlns:r="http://schemas.openxmlformats.org/officeDocument/2006/relationships" xmlns:p="http://schemas.openxmlformats.org/presentationml/2006/main">
-  <p:cSld>
-    <p:spTree>
-      <p:nvGrpSpPr>
-        <p:cNvPr id="1" name=""/>
-        <p:cNvGrpSpPr/>
-        <p:nvPr/>
-      </p:nvGrpSpPr>
-      <p:grpSpPr>
-        <a:xfrm>
-          <a:off x="0" y="0"/>
-          <a:ext cx="0" cy="0"/>
-          <a:chOff x="0" y="0"/>
-          <a:chExt cx="0" cy="0"/>
-        </a:xfrm>
-      </p:grpSpPr>
-      <p:pic>
-        <p:nvPicPr>
-          <p:cNvPr id="3" name="그림 2"/>
-          <p:cNvPicPr>
-            <a:picLocks noChangeAspect="1"/>
-          </p:cNvPicPr>
-          <p:nvPr/>
-        </p:nvPicPr>
-        <p:blipFill rotWithShape="1">
-          <a:blip r:embed="rId2"/>
-          <a:srcRect t="1391" b="6580"/>
-          <a:stretch/>
-        </p:blipFill>
-        <p:spPr>
-          <a:xfrm>
-            <a:off x="950685" y="54202"/>
-            <a:ext cx="10290629" cy="6676572"/>
-          </a:xfrm>
-          <a:prstGeom prst="rect">
-            <a:avLst/>
-          </a:prstGeom>
-        </p:spPr>
-      </p:pic>
-      <p:sp>
-        <p:nvSpPr>
-          <p:cNvPr id="21" name="직사각형 20"/>
+                <a:latin typeface="배달의민족 도현" panose="020B0600000101010101" pitchFamily="50" charset="-127"/>
+                <a:ea typeface="배달의민족 도현" panose="020B0600000101010101" pitchFamily="50" charset="-127"/>
+              </a:rPr>
+              <a:t>입력하세요</a:t>
+            </a:r>
+            <a:endParaRPr lang="ko-KR" altLang="en-US" b="1" dirty="0">
+              <a:solidFill>
+                <a:srgbClr val="F8B202"/>
+              </a:solidFill>
+              <a:latin typeface="배달의민족 도현" panose="020B0600000101010101" pitchFamily="50" charset="-127"/>
+              <a:ea typeface="배달의민족 도현" panose="020B0600000101010101" pitchFamily="50" charset="-127"/>
+              <a:cs typeface="함초롬바탕" panose="02030604000101010101" pitchFamily="18" charset="-127"/>
+            </a:endParaRPr>
+          </a:p>
+        </p:txBody>
+      </p:sp>
+      <p:sp>
+        <p:nvSpPr>
+          <p:cNvPr id="17" name="직사각형 16"/>
           <p:cNvSpPr/>
           <p:nvPr/>
         </p:nvSpPr>
         <p:spPr>
           <a:xfrm>
-            <a:off x="2638097" y="2678452"/>
-            <a:ext cx="6737131" cy="1357519"/>
+            <a:off x="3930869" y="1447399"/>
+            <a:ext cx="4330262" cy="794143"/>
           </a:xfrm>
           <a:prstGeom prst="rect">
             <a:avLst/>
@@ -4167,345 +4127,6 @@
       </p:sp>
       <p:sp>
         <p:nvSpPr>
-          <p:cNvPr id="15" name="직사각형 14"/>
-          <p:cNvSpPr/>
-          <p:nvPr/>
-        </p:nvSpPr>
-        <p:spPr>
-          <a:xfrm>
-            <a:off x="2155971" y="2895600"/>
-            <a:ext cx="8178800" cy="2184400"/>
-          </a:xfrm>
-          <a:prstGeom prst="rect">
-            <a:avLst/>
-          </a:prstGeom>
-          <a:solidFill>
-            <a:schemeClr val="bg1"/>
-          </a:solidFill>
-          <a:ln>
-            <a:noFill/>
-          </a:ln>
-        </p:spPr>
-        <p:style>
-          <a:lnRef idx="2">
-            <a:schemeClr val="accent1">
-              <a:shade val="50000"/>
-            </a:schemeClr>
-          </a:lnRef>
-          <a:fillRef idx="1">
-            <a:schemeClr val="accent1"/>
-          </a:fillRef>
-          <a:effectRef idx="0">
-            <a:schemeClr val="accent1"/>
-          </a:effectRef>
-          <a:fontRef idx="minor">
-            <a:schemeClr val="lt1"/>
-          </a:fontRef>
-        </p:style>
-        <p:txBody>
-          <a:bodyPr rtlCol="0" anchor="ctr"/>
-          <a:lstStyle/>
-          <a:p>
-            <a:pPr algn="ctr"/>
-            <a:endParaRPr lang="ko-KR" altLang="en-US"/>
-          </a:p>
-        </p:txBody>
-      </p:sp>
-      <p:sp>
-        <p:nvSpPr>
-          <p:cNvPr id="4" name="AutoShape 2" descr="Certificate retro design template"/>
-          <p:cNvSpPr>
-            <a:spLocks noChangeAspect="1" noChangeArrowheads="1"/>
-          </p:cNvSpPr>
-          <p:nvPr/>
-        </p:nvSpPr>
-        <p:spPr bwMode="auto">
-          <a:xfrm>
-            <a:off x="376292" y="360033"/>
-            <a:ext cx="304800" cy="304801"/>
-          </a:xfrm>
-          <a:prstGeom prst="rect">
-            <a:avLst/>
-          </a:prstGeom>
-          <a:noFill/>
-          <a:extLst>
-            <a:ext uri="{909E8E84-426E-40DD-AFC4-6F175D3DCCD1}">
-              <a14:hiddenFill xmlns:a14="http://schemas.microsoft.com/office/drawing/2010/main">
-                <a:solidFill>
-                  <a:srgbClr val="FFFFFF"/>
-                </a:solidFill>
-              </a14:hiddenFill>
-            </a:ext>
-          </a:extLst>
-        </p:spPr>
-        <p:txBody>
-          <a:bodyPr vert="horz" wrap="square" lIns="91440" tIns="45720" rIns="91440" bIns="45720" numCol="1" anchor="t" anchorCtr="0" compatLnSpc="1">
-            <a:prstTxWarp prst="textNoShape">
-              <a:avLst/>
-            </a:prstTxWarp>
-          </a:bodyPr>
-          <a:lstStyle/>
-          <a:p>
-            <a:endParaRPr lang="ko-KR" altLang="en-US"/>
-          </a:p>
-        </p:txBody>
-      </p:sp>
-      <p:sp>
-        <p:nvSpPr>
-          <p:cNvPr id="7" name="타원 6"/>
-          <p:cNvSpPr/>
-          <p:nvPr/>
-        </p:nvSpPr>
-        <p:spPr>
-          <a:xfrm>
-            <a:off x="9034517" y="2895600"/>
-            <a:ext cx="1701800" cy="1524000"/>
-          </a:xfrm>
-          <a:prstGeom prst="ellipse">
-            <a:avLst/>
-          </a:prstGeom>
-          <a:solidFill>
-            <a:schemeClr val="bg1"/>
-          </a:solidFill>
-          <a:ln>
-            <a:noFill/>
-          </a:ln>
-        </p:spPr>
-        <p:style>
-          <a:lnRef idx="2">
-            <a:schemeClr val="accent1">
-              <a:shade val="50000"/>
-            </a:schemeClr>
-          </a:lnRef>
-          <a:fillRef idx="1">
-            <a:schemeClr val="accent1"/>
-          </a:fillRef>
-          <a:effectRef idx="0">
-            <a:schemeClr val="accent1"/>
-          </a:effectRef>
-          <a:fontRef idx="minor">
-            <a:schemeClr val="lt1"/>
-          </a:fontRef>
-        </p:style>
-        <p:txBody>
-          <a:bodyPr rtlCol="0" anchor="ctr"/>
-          <a:lstStyle/>
-          <a:p>
-            <a:pPr algn="ctr"/>
-            <a:endParaRPr lang="ko-KR" altLang="en-US"/>
-          </a:p>
-        </p:txBody>
-      </p:sp>
-      <p:sp>
-        <p:nvSpPr>
-          <p:cNvPr id="13" name="AutoShape 6" descr="Certificate of achievement or diploma template"/>
-          <p:cNvSpPr>
-            <a:spLocks noChangeAspect="1" noChangeArrowheads="1"/>
-          </p:cNvSpPr>
-          <p:nvPr/>
-        </p:nvSpPr>
-        <p:spPr bwMode="auto">
-          <a:xfrm>
-            <a:off x="155575" y="-144463"/>
-            <a:ext cx="304800" cy="304801"/>
-          </a:xfrm>
-          <a:prstGeom prst="rect">
-            <a:avLst/>
-          </a:prstGeom>
-          <a:noFill/>
-          <a:extLst>
-            <a:ext uri="{909E8E84-426E-40DD-AFC4-6F175D3DCCD1}">
-              <a14:hiddenFill xmlns:a14="http://schemas.microsoft.com/office/drawing/2010/main">
-                <a:solidFill>
-                  <a:srgbClr val="FFFFFF"/>
-                </a:solidFill>
-              </a14:hiddenFill>
-            </a:ext>
-          </a:extLst>
-        </p:spPr>
-        <p:txBody>
-          <a:bodyPr vert="horz" wrap="square" lIns="91440" tIns="45720" rIns="91440" bIns="45720" numCol="1" anchor="t" anchorCtr="0" compatLnSpc="1">
-            <a:prstTxWarp prst="textNoShape">
-              <a:avLst/>
-            </a:prstTxWarp>
-          </a:bodyPr>
-          <a:lstStyle/>
-          <a:p>
-            <a:endParaRPr lang="ko-KR" altLang="en-US"/>
-          </a:p>
-        </p:txBody>
-      </p:sp>
-      <p:pic>
-        <p:nvPicPr>
-          <p:cNvPr id="5" name="그림 4"/>
-          <p:cNvPicPr>
-            <a:picLocks noChangeAspect="1"/>
-          </p:cNvPicPr>
-          <p:nvPr/>
-        </p:nvPicPr>
-        <p:blipFill rotWithShape="1">
-          <a:blip r:embed="rId3"/>
-          <a:srcRect l="23629" t="5165" r="23178" b="48225"/>
-          <a:stretch/>
-        </p:blipFill>
-        <p:spPr>
-          <a:xfrm>
-            <a:off x="4862284" y="4905827"/>
-            <a:ext cx="2467429" cy="1509487"/>
-          </a:xfrm>
-          <a:prstGeom prst="rect">
-            <a:avLst/>
-          </a:prstGeom>
-        </p:spPr>
-      </p:pic>
-      <p:sp>
-        <p:nvSpPr>
-          <p:cNvPr id="10" name="직사각형 9"/>
-          <p:cNvSpPr/>
-          <p:nvPr/>
-        </p:nvSpPr>
-        <p:spPr>
-          <a:xfrm>
-            <a:off x="2003272" y="767015"/>
-            <a:ext cx="8185456" cy="707886"/>
-          </a:xfrm>
-          <a:prstGeom prst="rect">
-            <a:avLst/>
-          </a:prstGeom>
-          <a:solidFill>
-            <a:schemeClr val="bg1"/>
-          </a:solidFill>
-          <a:ln>
-            <a:noFill/>
-          </a:ln>
-        </p:spPr>
-        <p:style>
-          <a:lnRef idx="2">
-            <a:schemeClr val="accent1">
-              <a:shade val="50000"/>
-            </a:schemeClr>
-          </a:lnRef>
-          <a:fillRef idx="1">
-            <a:schemeClr val="accent1"/>
-          </a:fillRef>
-          <a:effectRef idx="0">
-            <a:schemeClr val="accent1"/>
-          </a:effectRef>
-          <a:fontRef idx="minor">
-            <a:schemeClr val="lt1"/>
-          </a:fontRef>
-        </p:style>
-        <p:txBody>
-          <a:bodyPr rtlCol="0" anchor="ctr"/>
-          <a:lstStyle/>
-          <a:p>
-            <a:pPr algn="ctr"/>
-            <a:endParaRPr lang="ko-KR" altLang="en-US"/>
-          </a:p>
-        </p:txBody>
-      </p:sp>
-      <p:sp>
-        <p:nvSpPr>
-          <p:cNvPr id="9" name="TextBox 8"/>
-          <p:cNvSpPr txBox="1"/>
-          <p:nvPr/>
-        </p:nvSpPr>
-        <p:spPr>
-          <a:xfrm>
-            <a:off x="1093077" y="723391"/>
-            <a:ext cx="10005848" cy="707886"/>
-          </a:xfrm>
-          <a:prstGeom prst="rect">
-            <a:avLst/>
-          </a:prstGeom>
-          <a:noFill/>
-        </p:spPr>
-        <p:txBody>
-          <a:bodyPr wrap="square" rtlCol="0">
-            <a:spAutoFit/>
-          </a:bodyPr>
-          <a:lstStyle/>
-          <a:p>
-            <a:pPr algn="ctr"/>
-            <a:r>
-              <a:rPr lang="ko-KR" altLang="en-US" sz="4000" b="1" dirty="0">
-                <a:solidFill>
-                  <a:srgbClr val="F8B202"/>
-                </a:solidFill>
-                <a:latin typeface="배달의민족 도현" panose="020B0600000101010101" pitchFamily="50" charset="-127"/>
-                <a:ea typeface="배달의민족 도현" panose="020B0600000101010101" pitchFamily="50" charset="-127"/>
-              </a:rPr>
-              <a:t>큰 제목을 </a:t>
-            </a:r>
-            <a:r>
-              <a:rPr lang="ko-KR" altLang="en-US" sz="4000" b="1" dirty="0" smtClean="0">
-                <a:solidFill>
-                  <a:srgbClr val="F8B202"/>
-                </a:solidFill>
-                <a:latin typeface="배달의민족 도현" panose="020B0600000101010101" pitchFamily="50" charset="-127"/>
-                <a:ea typeface="배달의민족 도현" panose="020B0600000101010101" pitchFamily="50" charset="-127"/>
-              </a:rPr>
-              <a:t>입력하세요</a:t>
-            </a:r>
-            <a:endParaRPr lang="ko-KR" altLang="en-US" b="1" dirty="0">
-              <a:solidFill>
-                <a:srgbClr val="F8B202"/>
-              </a:solidFill>
-              <a:latin typeface="배달의민족 도현" panose="020B0600000101010101" pitchFamily="50" charset="-127"/>
-              <a:ea typeface="배달의민족 도현" panose="020B0600000101010101" pitchFamily="50" charset="-127"/>
-              <a:cs typeface="함초롬바탕" panose="02030604000101010101" pitchFamily="18" charset="-127"/>
-            </a:endParaRPr>
-          </a:p>
-        </p:txBody>
-      </p:sp>
-      <p:sp>
-        <p:nvSpPr>
-          <p:cNvPr id="17" name="직사각형 16"/>
-          <p:cNvSpPr/>
-          <p:nvPr/>
-        </p:nvSpPr>
-        <p:spPr>
-          <a:xfrm>
-            <a:off x="3930869" y="1447399"/>
-            <a:ext cx="4330262" cy="794143"/>
-          </a:xfrm>
-          <a:prstGeom prst="rect">
-            <a:avLst/>
-          </a:prstGeom>
-          <a:solidFill>
-            <a:schemeClr val="bg1"/>
-          </a:solidFill>
-          <a:ln>
-            <a:noFill/>
-          </a:ln>
-        </p:spPr>
-        <p:style>
-          <a:lnRef idx="2">
-            <a:schemeClr val="accent1">
-              <a:shade val="50000"/>
-            </a:schemeClr>
-          </a:lnRef>
-          <a:fillRef idx="1">
-            <a:schemeClr val="accent1"/>
-          </a:fillRef>
-          <a:effectRef idx="0">
-            <a:schemeClr val="accent1"/>
-          </a:effectRef>
-          <a:fontRef idx="minor">
-            <a:schemeClr val="lt1"/>
-          </a:fontRef>
-        </p:style>
-        <p:txBody>
-          <a:bodyPr rtlCol="0" anchor="ctr"/>
-          <a:lstStyle/>
-          <a:p>
-            <a:pPr algn="ctr"/>
-            <a:endParaRPr lang="ko-KR" altLang="en-US"/>
-          </a:p>
-        </p:txBody>
-      </p:sp>
-      <p:sp>
-        <p:nvSpPr>
           <p:cNvPr id="18" name="TextBox 17"/>
           <p:cNvSpPr txBox="1"/>
           <p:nvPr/>
@@ -4576,7 +4197,26 @@
           <p:nvPr/>
         </p:nvPicPr>
         <p:blipFill rotWithShape="1">
-          <a:blip r:embed="rId4"/>
+          <a:blip r:embed="rId5">
+            <a:duotone>
+              <a:schemeClr val="accent4">
+                <a:shade val="45000"/>
+                <a:satMod val="135000"/>
+              </a:schemeClr>
+              <a:prstClr val="white"/>
+            </a:duotone>
+            <a:extLst>
+              <a:ext uri="{BEBA8EAE-BF5A-486C-A8C5-ECC9F3942E4B}">
+                <a14:imgProps xmlns:a14="http://schemas.microsoft.com/office/drawing/2010/main">
+                  <a14:imgLayer r:embed="rId6">
+                    <a14:imgEffect>
+                      <a14:sharpenSoften amount="100000"/>
+                    </a14:imgEffect>
+                  </a14:imgLayer>
+                </a14:imgProps>
+              </a:ext>
+            </a:extLst>
+          </a:blip>
           <a:srcRect l="21474" t="54127" r="21091" b="39293"/>
           <a:stretch/>
         </p:blipFill>
@@ -4779,294 +4419,7 @@
     </p:spTree>
     <p:extLst>
       <p:ext uri="{BB962C8B-B14F-4D97-AF65-F5344CB8AC3E}">
-        <p14:creationId xmlns:p14="http://schemas.microsoft.com/office/powerpoint/2010/main" val="3085269398"/>
-      </p:ext>
-    </p:extLst>
-  </p:cSld>
-  <p:clrMapOvr>
-    <a:masterClrMapping/>
-  </p:clrMapOvr>
-  <p:timing>
-    <p:tnLst>
-      <p:par>
-        <p:cTn id="1" dur="indefinite" restart="never" nodeType="tmRoot"/>
-      </p:par>
-    </p:tnLst>
-  </p:timing>
-</p:sld>
-</file>
-
-<file path=ppt/slides/slide5.xml><?xml version="1.0" encoding="utf-8"?>
-<p:sld xmlns:a="http://schemas.openxmlformats.org/drawingml/2006/main" xmlns:r="http://schemas.openxmlformats.org/officeDocument/2006/relationships" xmlns:p="http://schemas.openxmlformats.org/presentationml/2006/main">
-  <p:cSld>
-    <p:spTree>
-      <p:nvGrpSpPr>
-        <p:cNvPr id="1" name=""/>
-        <p:cNvGrpSpPr/>
-        <p:nvPr/>
-      </p:nvGrpSpPr>
-      <p:grpSpPr>
-        <a:xfrm>
-          <a:off x="0" y="0"/>
-          <a:ext cx="0" cy="0"/>
-          <a:chOff x="0" y="0"/>
-          <a:chExt cx="0" cy="0"/>
-        </a:xfrm>
-      </p:grpSpPr>
-      <p:pic>
-        <p:nvPicPr>
-          <p:cNvPr id="3" name="그림 2"/>
-          <p:cNvPicPr>
-            <a:picLocks noChangeAspect="1"/>
-          </p:cNvPicPr>
-          <p:nvPr/>
-        </p:nvPicPr>
-        <p:blipFill rotWithShape="1">
-          <a:blip r:embed="rId2"/>
-          <a:srcRect t="1391" b="6580"/>
-          <a:stretch/>
-        </p:blipFill>
-        <p:spPr>
-          <a:xfrm>
-            <a:off x="950685" y="54202"/>
-            <a:ext cx="10290629" cy="6676572"/>
-          </a:xfrm>
-          <a:prstGeom prst="rect">
-            <a:avLst/>
-          </a:prstGeom>
-        </p:spPr>
-      </p:pic>
-      <p:sp>
-        <p:nvSpPr>
-          <p:cNvPr id="4" name="AutoShape 2" descr="Certificate retro design template"/>
-          <p:cNvSpPr>
-            <a:spLocks noChangeAspect="1" noChangeArrowheads="1"/>
-          </p:cNvSpPr>
-          <p:nvPr/>
-        </p:nvSpPr>
-        <p:spPr bwMode="auto">
-          <a:xfrm>
-            <a:off x="376292" y="360033"/>
-            <a:ext cx="304800" cy="304801"/>
-          </a:xfrm>
-          <a:prstGeom prst="rect">
-            <a:avLst/>
-          </a:prstGeom>
-          <a:noFill/>
-          <a:extLst>
-            <a:ext uri="{909E8E84-426E-40DD-AFC4-6F175D3DCCD1}">
-              <a14:hiddenFill xmlns:a14="http://schemas.microsoft.com/office/drawing/2010/main">
-                <a:solidFill>
-                  <a:srgbClr val="FFFFFF"/>
-                </a:solidFill>
-              </a14:hiddenFill>
-            </a:ext>
-          </a:extLst>
-        </p:spPr>
-        <p:txBody>
-          <a:bodyPr vert="horz" wrap="square" lIns="91440" tIns="45720" rIns="91440" bIns="45720" numCol="1" anchor="t" anchorCtr="0" compatLnSpc="1">
-            <a:prstTxWarp prst="textNoShape">
-              <a:avLst/>
-            </a:prstTxWarp>
-          </a:bodyPr>
-          <a:lstStyle/>
-          <a:p>
-            <a:endParaRPr lang="ko-KR" altLang="en-US"/>
-          </a:p>
-        </p:txBody>
-      </p:sp>
-      <p:sp>
-        <p:nvSpPr>
-          <p:cNvPr id="7" name="타원 6"/>
-          <p:cNvSpPr/>
-          <p:nvPr/>
-        </p:nvSpPr>
-        <p:spPr>
-          <a:xfrm>
-            <a:off x="9034517" y="2895600"/>
-            <a:ext cx="1701800" cy="1524000"/>
-          </a:xfrm>
-          <a:prstGeom prst="ellipse">
-            <a:avLst/>
-          </a:prstGeom>
-          <a:solidFill>
-            <a:schemeClr val="bg1"/>
-          </a:solidFill>
-          <a:ln>
-            <a:noFill/>
-          </a:ln>
-        </p:spPr>
-        <p:style>
-          <a:lnRef idx="2">
-            <a:schemeClr val="accent1">
-              <a:shade val="50000"/>
-            </a:schemeClr>
-          </a:lnRef>
-          <a:fillRef idx="1">
-            <a:schemeClr val="accent1"/>
-          </a:fillRef>
-          <a:effectRef idx="0">
-            <a:schemeClr val="accent1"/>
-          </a:effectRef>
-          <a:fontRef idx="minor">
-            <a:schemeClr val="lt1"/>
-          </a:fontRef>
-        </p:style>
-        <p:txBody>
-          <a:bodyPr rtlCol="0" anchor="ctr"/>
-          <a:lstStyle/>
-          <a:p>
-            <a:pPr algn="ctr"/>
-            <a:endParaRPr lang="ko-KR" altLang="en-US"/>
-          </a:p>
-        </p:txBody>
-      </p:sp>
-      <p:sp>
-        <p:nvSpPr>
-          <p:cNvPr id="13" name="AutoShape 6" descr="Certificate of achievement or diploma template"/>
-          <p:cNvSpPr>
-            <a:spLocks noChangeAspect="1" noChangeArrowheads="1"/>
-          </p:cNvSpPr>
-          <p:nvPr/>
-        </p:nvSpPr>
-        <p:spPr bwMode="auto">
-          <a:xfrm>
-            <a:off x="155575" y="-144463"/>
-            <a:ext cx="304800" cy="304801"/>
-          </a:xfrm>
-          <a:prstGeom prst="rect">
-            <a:avLst/>
-          </a:prstGeom>
-          <a:noFill/>
-          <a:extLst>
-            <a:ext uri="{909E8E84-426E-40DD-AFC4-6F175D3DCCD1}">
-              <a14:hiddenFill xmlns:a14="http://schemas.microsoft.com/office/drawing/2010/main">
-                <a:solidFill>
-                  <a:srgbClr val="FFFFFF"/>
-                </a:solidFill>
-              </a14:hiddenFill>
-            </a:ext>
-          </a:extLst>
-        </p:spPr>
-        <p:txBody>
-          <a:bodyPr vert="horz" wrap="square" lIns="91440" tIns="45720" rIns="91440" bIns="45720" numCol="1" anchor="t" anchorCtr="0" compatLnSpc="1">
-            <a:prstTxWarp prst="textNoShape">
-              <a:avLst/>
-            </a:prstTxWarp>
-          </a:bodyPr>
-          <a:lstStyle/>
-          <a:p>
-            <a:endParaRPr lang="ko-KR" altLang="en-US"/>
-          </a:p>
-        </p:txBody>
-      </p:sp>
-      <p:sp>
-        <p:nvSpPr>
-          <p:cNvPr id="16" name="TextBox 15"/>
-          <p:cNvSpPr txBox="1"/>
-          <p:nvPr/>
-        </p:nvSpPr>
-        <p:spPr>
-          <a:xfrm>
-            <a:off x="1108038" y="4096434"/>
-            <a:ext cx="9950823" cy="830997"/>
-          </a:xfrm>
-          <a:prstGeom prst="rect">
-            <a:avLst/>
-          </a:prstGeom>
-          <a:noFill/>
-        </p:spPr>
-        <p:txBody>
-          <a:bodyPr wrap="square" rtlCol="0">
-            <a:spAutoFit/>
-          </a:bodyPr>
-          <a:lstStyle/>
-          <a:p>
-            <a:pPr algn="ctr"/>
-            <a:r>
-              <a:rPr lang="ko-KR" altLang="en-US" sz="1200" dirty="0" smtClean="0">
-                <a:solidFill>
-                  <a:schemeClr val="bg1">
-                    <a:lumMod val="85000"/>
-                  </a:schemeClr>
-                </a:solidFill>
-              </a:rPr>
-              <a:t>세부내용을 적어주세요</a:t>
-            </a:r>
-            <a:endParaRPr lang="en-US" altLang="ko-KR" sz="1200" dirty="0" smtClean="0">
-              <a:solidFill>
-                <a:schemeClr val="bg1">
-                  <a:lumMod val="85000"/>
-                </a:schemeClr>
-              </a:solidFill>
-            </a:endParaRPr>
-          </a:p>
-          <a:p>
-            <a:pPr algn="ctr"/>
-            <a:r>
-              <a:rPr lang="ko-KR" altLang="en-US" sz="1200" dirty="0" smtClean="0">
-                <a:solidFill>
-                  <a:schemeClr val="bg1">
-                    <a:lumMod val="85000"/>
-                  </a:schemeClr>
-                </a:solidFill>
-              </a:rPr>
-              <a:t>세부내용을 적어주세요</a:t>
-            </a:r>
-            <a:endParaRPr lang="en-US" altLang="ko-KR" sz="1200" dirty="0" smtClean="0">
-              <a:solidFill>
-                <a:schemeClr val="bg1">
-                  <a:lumMod val="85000"/>
-                </a:schemeClr>
-              </a:solidFill>
-            </a:endParaRPr>
-          </a:p>
-          <a:p>
-            <a:pPr algn="ctr"/>
-            <a:r>
-              <a:rPr lang="ko-KR" altLang="en-US" sz="1200" dirty="0" smtClean="0">
-                <a:solidFill>
-                  <a:schemeClr val="bg1">
-                    <a:lumMod val="85000"/>
-                  </a:schemeClr>
-                </a:solidFill>
-              </a:rPr>
-              <a:t>세부내용을 적어주세요</a:t>
-            </a:r>
-            <a:endParaRPr lang="en-US" altLang="ko-KR" sz="1200" dirty="0" smtClean="0">
-              <a:solidFill>
-                <a:schemeClr val="bg1">
-                  <a:lumMod val="85000"/>
-                </a:schemeClr>
-              </a:solidFill>
-            </a:endParaRPr>
-          </a:p>
-          <a:p>
-            <a:pPr algn="ctr"/>
-            <a:r>
-              <a:rPr lang="ko-KR" altLang="en-US" sz="1200" dirty="0" smtClean="0">
-                <a:solidFill>
-                  <a:schemeClr val="bg1">
-                    <a:lumMod val="85000"/>
-                  </a:schemeClr>
-                </a:solidFill>
-              </a:rPr>
-              <a:t>세부내용을 적어주세요</a:t>
-            </a:r>
-            <a:endParaRPr lang="ko-KR" altLang="en-US" sz="1200" dirty="0">
-              <a:solidFill>
-                <a:schemeClr val="bg1">
-                  <a:lumMod val="85000"/>
-                </a:schemeClr>
-              </a:solidFill>
-            </a:endParaRPr>
-          </a:p>
-        </p:txBody>
-      </p:sp>
-    </p:spTree>
-    <p:extLst>
-      <p:ext uri="{BB962C8B-B14F-4D97-AF65-F5344CB8AC3E}">
-        <p14:creationId xmlns:p14="http://schemas.microsoft.com/office/powerpoint/2010/main" val="590205935"/>
+        <p14:creationId xmlns:p14="http://schemas.microsoft.com/office/powerpoint/2010/main" val="2498752265"/>
       </p:ext>
     </p:extLst>
   </p:cSld>
